--- a/to_delete/template.pptx
+++ b/to_delete/template.pptx
@@ -1137,7 +1137,7 @@
           <a:p>
             <a:fld id="{46D1EE86-9B87-4AF3-B8C2-9695322ED5D4}" type="datetimeFigureOut">
               <a:rPr lang="en-US" smtClean="0"/>
-              <a:t>10/10/23</a:t>
+              <a:t>10/18/2023</a:t>
             </a:fld>
             <a:endParaRPr lang="en-US"/>
           </a:p>
@@ -1635,7 +1635,7 @@
           <a:p>
             <a:fld id="{E7A9DF80-B123-45A4-827C-E68847B10641}" type="datetimeFigureOut">
               <a:rPr lang="en-US" smtClean="0"/>
-              <a:t>10/10/23</a:t>
+              <a:t>10/18/2023</a:t>
             </a:fld>
             <a:endParaRPr lang="en-US"/>
           </a:p>
@@ -1833,7 +1833,7 @@
           <a:p>
             <a:fld id="{E7A9DF80-B123-45A4-827C-E68847B10641}" type="datetimeFigureOut">
               <a:rPr lang="en-US" smtClean="0"/>
-              <a:t>10/10/23</a:t>
+              <a:t>10/18/2023</a:t>
             </a:fld>
             <a:endParaRPr lang="en-US"/>
           </a:p>
@@ -2041,7 +2041,7 @@
           <a:p>
             <a:fld id="{E7A9DF80-B123-45A4-827C-E68847B10641}" type="datetimeFigureOut">
               <a:rPr lang="en-US" smtClean="0"/>
-              <a:t>10/10/23</a:t>
+              <a:t>10/18/2023</a:t>
             </a:fld>
             <a:endParaRPr lang="en-US"/>
           </a:p>
@@ -2239,7 +2239,7 @@
           <a:p>
             <a:fld id="{E7A9DF80-B123-45A4-827C-E68847B10641}" type="datetimeFigureOut">
               <a:rPr lang="en-US" smtClean="0"/>
-              <a:t>10/10/23</a:t>
+              <a:t>10/18/2023</a:t>
             </a:fld>
             <a:endParaRPr lang="en-US"/>
           </a:p>
@@ -2514,7 +2514,7 @@
           <a:p>
             <a:fld id="{E7A9DF80-B123-45A4-827C-E68847B10641}" type="datetimeFigureOut">
               <a:rPr lang="en-US" smtClean="0"/>
-              <a:t>10/10/23</a:t>
+              <a:t>10/18/2023</a:t>
             </a:fld>
             <a:endParaRPr lang="en-US"/>
           </a:p>
@@ -2779,7 +2779,7 @@
           <a:p>
             <a:fld id="{E7A9DF80-B123-45A4-827C-E68847B10641}" type="datetimeFigureOut">
               <a:rPr lang="en-US" smtClean="0"/>
-              <a:t>10/10/23</a:t>
+              <a:t>10/18/2023</a:t>
             </a:fld>
             <a:endParaRPr lang="en-US"/>
           </a:p>
@@ -3191,7 +3191,7 @@
           <a:p>
             <a:fld id="{E7A9DF80-B123-45A4-827C-E68847B10641}" type="datetimeFigureOut">
               <a:rPr lang="en-US" smtClean="0"/>
-              <a:t>10/10/23</a:t>
+              <a:t>10/18/2023</a:t>
             </a:fld>
             <a:endParaRPr lang="en-US"/>
           </a:p>
@@ -3332,7 +3332,7 @@
           <a:p>
             <a:fld id="{E7A9DF80-B123-45A4-827C-E68847B10641}" type="datetimeFigureOut">
               <a:rPr lang="en-US" smtClean="0"/>
-              <a:t>10/10/23</a:t>
+              <a:t>10/18/2023</a:t>
             </a:fld>
             <a:endParaRPr lang="en-US"/>
           </a:p>
@@ -3445,7 +3445,7 @@
           <a:p>
             <a:fld id="{E7A9DF80-B123-45A4-827C-E68847B10641}" type="datetimeFigureOut">
               <a:rPr lang="en-US" smtClean="0"/>
-              <a:t>10/10/23</a:t>
+              <a:t>10/18/2023</a:t>
             </a:fld>
             <a:endParaRPr lang="en-US"/>
           </a:p>
@@ -3756,7 +3756,7 @@
           <a:p>
             <a:fld id="{E7A9DF80-B123-45A4-827C-E68847B10641}" type="datetimeFigureOut">
               <a:rPr lang="en-US" smtClean="0"/>
-              <a:t>10/10/23</a:t>
+              <a:t>10/18/2023</a:t>
             </a:fld>
             <a:endParaRPr lang="en-US"/>
           </a:p>
@@ -4044,7 +4044,7 @@
           <a:p>
             <a:fld id="{E7A9DF80-B123-45A4-827C-E68847B10641}" type="datetimeFigureOut">
               <a:rPr lang="en-US" smtClean="0"/>
-              <a:t>10/10/23</a:t>
+              <a:t>10/18/2023</a:t>
             </a:fld>
             <a:endParaRPr lang="en-US"/>
           </a:p>
@@ -4285,7 +4285,7 @@
           <a:p>
             <a:fld id="{E7A9DF80-B123-45A4-827C-E68847B10641}" type="datetimeFigureOut">
               <a:rPr lang="en-US" smtClean="0"/>
-              <a:t>10/10/23</a:t>
+              <a:t>10/18/2023</a:t>
             </a:fld>
             <a:endParaRPr lang="en-US"/>
           </a:p>
@@ -6708,7 +6708,7 @@
       </p:sp>
       <p:sp>
         <p:nvSpPr>
-          <p:cNvPr id="28" name="TextBox 27">
+          <p:cNvPr id="28" name="Logo">
             <a:extLst>
               <a:ext uri="{FF2B5EF4-FFF2-40B4-BE49-F238E27FC236}">
                 <a16:creationId xmlns:a16="http://schemas.microsoft.com/office/drawing/2014/main" id="{CD134E6C-9822-1EC1-15BF-8DCBC21212DB}"/>
@@ -7202,42 +7202,6 @@
           </p:txBody>
         </p:sp>
       </p:grpSp>
-      <p:pic>
-        <p:nvPicPr>
-          <p:cNvPr id="6" name="Logo">
-            <a:extLst>
-              <a:ext uri="{FF2B5EF4-FFF2-40B4-BE49-F238E27FC236}">
-                <a16:creationId xmlns:a16="http://schemas.microsoft.com/office/drawing/2014/main" id="{507A67E8-0854-3AB2-7D14-E5C7EAFDB726}"/>
-              </a:ext>
-            </a:extLst>
-          </p:cNvPr>
-          <p:cNvPicPr>
-            <a:picLocks noChangeAspect="1"/>
-          </p:cNvPicPr>
-          <p:nvPr/>
-        </p:nvPicPr>
-        <p:blipFill>
-          <a:blip r:embed="rId3">
-            <a:extLst>
-              <a:ext uri="{96DAC541-7B7A-43D3-8B79-37D633B846F1}">
-                <asvg:svgBlip xmlns:asvg="http://schemas.microsoft.com/office/drawing/2016/SVG/main" r:embed="rId4"/>
-              </a:ext>
-            </a:extLst>
-          </a:blip>
-          <a:stretch>
-            <a:fillRect/>
-          </a:stretch>
-        </p:blipFill>
-        <p:spPr>
-          <a:xfrm>
-            <a:off x="212367" y="242149"/>
-            <a:ext cx="723900" cy="542925"/>
-          </a:xfrm>
-          <a:prstGeom prst="rect">
-            <a:avLst/>
-          </a:prstGeom>
-        </p:spPr>
-      </p:pic>
     </p:spTree>
     <p:extLst>
       <p:ext uri="{BB962C8B-B14F-4D97-AF65-F5344CB8AC3E}">
